--- a/RxFlow 세미나 - 이명직.pptx
+++ b/RxFlow 세미나 - 이명직.pptx
@@ -23,7 +23,6 @@
     <p:sldId id="267" r:id="rId17"/>
     <p:sldId id="268" r:id="rId18"/>
     <p:sldId id="269" r:id="rId19"/>
-    <p:sldId id="270" r:id="rId20"/>
   </p:sldIdLst>
   <p:sldSz cx="12192000" cy="6858000"/>
   <p:notesSz cx="6858000" cy="9144000"/>
@@ -277,7 +276,7 @@
           <a:p>
             <a:fld id="{1081F63C-C3D7-1443-9094-3187CD4315A5}" type="datetimeFigureOut">
               <a:rPr kumimoji="1" lang="ko-KR" altLang="en-US" smtClean="0"/>
-              <a:t>2022. 7. 27.</a:t>
+              <a:t>2022. 7. 28.</a:t>
             </a:fld>
             <a:endParaRPr kumimoji="1" lang="ko-KR" altLang="en-US"/>
           </a:p>
@@ -475,7 +474,7 @@
           <a:p>
             <a:fld id="{1081F63C-C3D7-1443-9094-3187CD4315A5}" type="datetimeFigureOut">
               <a:rPr kumimoji="1" lang="ko-KR" altLang="en-US" smtClean="0"/>
-              <a:t>2022. 7. 27.</a:t>
+              <a:t>2022. 7. 28.</a:t>
             </a:fld>
             <a:endParaRPr kumimoji="1" lang="ko-KR" altLang="en-US"/>
           </a:p>
@@ -683,7 +682,7 @@
           <a:p>
             <a:fld id="{1081F63C-C3D7-1443-9094-3187CD4315A5}" type="datetimeFigureOut">
               <a:rPr kumimoji="1" lang="ko-KR" altLang="en-US" smtClean="0"/>
-              <a:t>2022. 7. 27.</a:t>
+              <a:t>2022. 7. 28.</a:t>
             </a:fld>
             <a:endParaRPr kumimoji="1" lang="ko-KR" altLang="en-US"/>
           </a:p>
@@ -881,7 +880,7 @@
           <a:p>
             <a:fld id="{1081F63C-C3D7-1443-9094-3187CD4315A5}" type="datetimeFigureOut">
               <a:rPr kumimoji="1" lang="ko-KR" altLang="en-US" smtClean="0"/>
-              <a:t>2022. 7. 27.</a:t>
+              <a:t>2022. 7. 28.</a:t>
             </a:fld>
             <a:endParaRPr kumimoji="1" lang="ko-KR" altLang="en-US"/>
           </a:p>
@@ -1156,7 +1155,7 @@
           <a:p>
             <a:fld id="{1081F63C-C3D7-1443-9094-3187CD4315A5}" type="datetimeFigureOut">
               <a:rPr kumimoji="1" lang="ko-KR" altLang="en-US" smtClean="0"/>
-              <a:t>2022. 7. 27.</a:t>
+              <a:t>2022. 7. 28.</a:t>
             </a:fld>
             <a:endParaRPr kumimoji="1" lang="ko-KR" altLang="en-US"/>
           </a:p>
@@ -1421,7 +1420,7 @@
           <a:p>
             <a:fld id="{1081F63C-C3D7-1443-9094-3187CD4315A5}" type="datetimeFigureOut">
               <a:rPr kumimoji="1" lang="ko-KR" altLang="en-US" smtClean="0"/>
-              <a:t>2022. 7. 27.</a:t>
+              <a:t>2022. 7. 28.</a:t>
             </a:fld>
             <a:endParaRPr kumimoji="1" lang="ko-KR" altLang="en-US"/>
           </a:p>
@@ -1833,7 +1832,7 @@
           <a:p>
             <a:fld id="{1081F63C-C3D7-1443-9094-3187CD4315A5}" type="datetimeFigureOut">
               <a:rPr kumimoji="1" lang="ko-KR" altLang="en-US" smtClean="0"/>
-              <a:t>2022. 7. 27.</a:t>
+              <a:t>2022. 7. 28.</a:t>
             </a:fld>
             <a:endParaRPr kumimoji="1" lang="ko-KR" altLang="en-US"/>
           </a:p>
@@ -1974,7 +1973,7 @@
           <a:p>
             <a:fld id="{1081F63C-C3D7-1443-9094-3187CD4315A5}" type="datetimeFigureOut">
               <a:rPr kumimoji="1" lang="ko-KR" altLang="en-US" smtClean="0"/>
-              <a:t>2022. 7. 27.</a:t>
+              <a:t>2022. 7. 28.</a:t>
             </a:fld>
             <a:endParaRPr kumimoji="1" lang="ko-KR" altLang="en-US"/>
           </a:p>
@@ -2087,7 +2086,7 @@
           <a:p>
             <a:fld id="{1081F63C-C3D7-1443-9094-3187CD4315A5}" type="datetimeFigureOut">
               <a:rPr kumimoji="1" lang="ko-KR" altLang="en-US" smtClean="0"/>
-              <a:t>2022. 7. 27.</a:t>
+              <a:t>2022. 7. 28.</a:t>
             </a:fld>
             <a:endParaRPr kumimoji="1" lang="ko-KR" altLang="en-US"/>
           </a:p>
@@ -2398,7 +2397,7 @@
           <a:p>
             <a:fld id="{1081F63C-C3D7-1443-9094-3187CD4315A5}" type="datetimeFigureOut">
               <a:rPr kumimoji="1" lang="ko-KR" altLang="en-US" smtClean="0"/>
-              <a:t>2022. 7. 27.</a:t>
+              <a:t>2022. 7. 28.</a:t>
             </a:fld>
             <a:endParaRPr kumimoji="1" lang="ko-KR" altLang="en-US"/>
           </a:p>
@@ -2686,7 +2685,7 @@
           <a:p>
             <a:fld id="{1081F63C-C3D7-1443-9094-3187CD4315A5}" type="datetimeFigureOut">
               <a:rPr kumimoji="1" lang="ko-KR" altLang="en-US" smtClean="0"/>
-              <a:t>2022. 7. 27.</a:t>
+              <a:t>2022. 7. 28.</a:t>
             </a:fld>
             <a:endParaRPr kumimoji="1" lang="ko-KR" altLang="en-US"/>
           </a:p>
@@ -2927,7 +2926,7 @@
           <a:p>
             <a:fld id="{1081F63C-C3D7-1443-9094-3187CD4315A5}" type="datetimeFigureOut">
               <a:rPr kumimoji="1" lang="ko-KR" altLang="en-US" smtClean="0"/>
-              <a:t>2022. 7. 27.</a:t>
+              <a:t>2022. 7. 28.</a:t>
             </a:fld>
             <a:endParaRPr kumimoji="1" lang="ko-KR" altLang="en-US"/>
           </a:p>
@@ -4923,7 +4922,7 @@
         </p:nvSpPr>
         <p:spPr>
           <a:xfrm>
-            <a:off x="5044583" y="1160540"/>
+            <a:off x="5363737" y="1261486"/>
             <a:ext cx="6621597" cy="369332"/>
           </a:xfrm>
           <a:prstGeom prst="rect">
@@ -5039,7 +5038,7 @@
         </p:nvSpPr>
         <p:spPr>
           <a:xfrm>
-            <a:off x="5044583" y="1592000"/>
+            <a:off x="5363737" y="1692946"/>
             <a:ext cx="6621597" cy="369332"/>
           </a:xfrm>
           <a:prstGeom prst="rect">
@@ -5144,7 +5143,7 @@
         </p:nvSpPr>
         <p:spPr>
           <a:xfrm>
-            <a:off x="5044583" y="2023460"/>
+            <a:off x="5363737" y="2124406"/>
             <a:ext cx="6621597" cy="369332"/>
           </a:xfrm>
           <a:prstGeom prst="rect">
@@ -5215,10 +5214,10 @@
       </p:sp>
       <p:pic>
         <p:nvPicPr>
-          <p:cNvPr id="5" name="그림 4">
-            <a:extLst>
-              <a:ext uri="{FF2B5EF4-FFF2-40B4-BE49-F238E27FC236}">
-                <a16:creationId xmlns:a16="http://schemas.microsoft.com/office/drawing/2014/main" id="{5E1A7493-FB63-134F-9562-3BC1BD024FCD}"/>
+          <p:cNvPr id="7" name="그림 6">
+            <a:extLst>
+              <a:ext uri="{FF2B5EF4-FFF2-40B4-BE49-F238E27FC236}">
+                <a16:creationId xmlns:a16="http://schemas.microsoft.com/office/drawing/2014/main" id="{90F4BA2F-E9F8-2D43-9B19-EC5453F10814}"/>
               </a:ext>
             </a:extLst>
           </p:cNvPr>
@@ -5235,8 +5234,8 @@
         </p:blipFill>
         <p:spPr>
           <a:xfrm>
-            <a:off x="651518" y="1098549"/>
-            <a:ext cx="4330700" cy="5030361"/>
+            <a:off x="626696" y="948146"/>
+            <a:ext cx="4688073" cy="5180769"/>
           </a:xfrm>
           <a:prstGeom prst="rect">
             <a:avLst/>
@@ -6931,165 +6930,6 @@
 </p:sld>
 </file>
 
-<file path=ppt/slides/slide19.xml><?xml version="1.0" encoding="utf-8"?>
-<p:sld xmlns:a="http://schemas.openxmlformats.org/drawingml/2006/main" xmlns:r="http://schemas.openxmlformats.org/officeDocument/2006/relationships" xmlns:p="http://schemas.openxmlformats.org/presentationml/2006/main">
-  <p:cSld>
-    <p:bg>
-      <p:bgPr>
-        <a:solidFill>
-          <a:schemeClr val="tx1"/>
-        </a:solidFill>
-        <a:effectLst/>
-      </p:bgPr>
-    </p:bg>
-    <p:spTree>
-      <p:nvGrpSpPr>
-        <p:cNvPr id="1" name=""/>
-        <p:cNvGrpSpPr/>
-        <p:nvPr/>
-      </p:nvGrpSpPr>
-      <p:grpSpPr>
-        <a:xfrm>
-          <a:off x="0" y="0"/>
-          <a:ext cx="0" cy="0"/>
-          <a:chOff x="0" y="0"/>
-          <a:chExt cx="0" cy="0"/>
-        </a:xfrm>
-      </p:grpSpPr>
-      <p:cxnSp>
-        <p:nvCxnSpPr>
-          <p:cNvPr id="3" name="직선 연결선[R] 2">
-            <a:extLst>
-              <a:ext uri="{FF2B5EF4-FFF2-40B4-BE49-F238E27FC236}">
-                <a16:creationId xmlns:a16="http://schemas.microsoft.com/office/drawing/2014/main" id="{DA2AF4CF-3C30-9543-BD56-62623028761D}"/>
-              </a:ext>
-            </a:extLst>
-          </p:cNvPr>
-          <p:cNvCxnSpPr>
-            <a:cxnSpLocks/>
-          </p:cNvCxnSpPr>
-          <p:nvPr/>
-        </p:nvCxnSpPr>
-        <p:spPr>
-          <a:xfrm>
-            <a:off x="535259" y="729079"/>
-            <a:ext cx="10582507" cy="1"/>
-          </a:xfrm>
-          <a:prstGeom prst="line">
-            <a:avLst/>
-          </a:prstGeom>
-        </p:spPr>
-        <p:style>
-          <a:lnRef idx="3">
-            <a:schemeClr val="accent3"/>
-          </a:lnRef>
-          <a:fillRef idx="0">
-            <a:schemeClr val="accent3"/>
-          </a:fillRef>
-          <a:effectRef idx="2">
-            <a:schemeClr val="accent3"/>
-          </a:effectRef>
-          <a:fontRef idx="minor">
-            <a:schemeClr val="tx1"/>
-          </a:fontRef>
-        </p:style>
-      </p:cxnSp>
-      <p:sp>
-        <p:nvSpPr>
-          <p:cNvPr id="13" name="TextBox 12">
-            <a:extLst>
-              <a:ext uri="{FF2B5EF4-FFF2-40B4-BE49-F238E27FC236}">
-                <a16:creationId xmlns:a16="http://schemas.microsoft.com/office/drawing/2014/main" id="{CC2C9309-112F-F743-A4DA-B7FCB0FA4A8C}"/>
-              </a:ext>
-            </a:extLst>
-          </p:cNvPr>
-          <p:cNvSpPr txBox="1"/>
-          <p:nvPr/>
-        </p:nvSpPr>
-        <p:spPr>
-          <a:xfrm>
-            <a:off x="626696" y="205859"/>
-            <a:ext cx="7445587" cy="523220"/>
-          </a:xfrm>
-          <a:prstGeom prst="rect">
-            <a:avLst/>
-          </a:prstGeom>
-          <a:noFill/>
-        </p:spPr>
-        <p:txBody>
-          <a:bodyPr wrap="square" rtlCol="0">
-            <a:spAutoFit/>
-          </a:bodyPr>
-          <a:lstStyle/>
-          <a:p>
-            <a:r>
-              <a:rPr kumimoji="1" lang="en-US" altLang="ko-KR" sz="2800" dirty="0" err="1">
-                <a:solidFill>
-                  <a:schemeClr val="bg1"/>
-                </a:solidFill>
-                <a:latin typeface="Cafe24 Ssurround" pitchFamily="2" charset="-127"/>
-                <a:ea typeface="Cafe24 Ssurround" pitchFamily="2" charset="-127"/>
-                <a:cs typeface="Cafe24 Ssurround" pitchFamily="2" charset="-127"/>
-              </a:rPr>
-              <a:t>Exsample</a:t>
-            </a:r>
-            <a:r>
-              <a:rPr kumimoji="1" lang="en-US" altLang="ko-KR" sz="2800" dirty="0">
-                <a:solidFill>
-                  <a:schemeClr val="bg1"/>
-                </a:solidFill>
-                <a:latin typeface="Cafe24 Ssurround" pitchFamily="2" charset="-127"/>
-                <a:ea typeface="Cafe24 Ssurround" pitchFamily="2" charset="-127"/>
-                <a:cs typeface="Cafe24 Ssurround" pitchFamily="2" charset="-127"/>
-              </a:rPr>
-              <a:t> - Flow </a:t>
-            </a:r>
-            <a:r>
-              <a:rPr kumimoji="1" lang="en-US" altLang="ko-KR" sz="2800" dirty="0" err="1">
-                <a:solidFill>
-                  <a:schemeClr val="bg1"/>
-                </a:solidFill>
-                <a:latin typeface="Cafe24 Ssurround" pitchFamily="2" charset="-127"/>
-                <a:ea typeface="Cafe24 Ssurround" pitchFamily="2" charset="-127"/>
-                <a:cs typeface="Cafe24 Ssurround" pitchFamily="2" charset="-127"/>
-              </a:rPr>
-              <a:t>Contributos</a:t>
-            </a:r>
-            <a:r>
-              <a:rPr kumimoji="1" lang="en-US" altLang="ko-KR" sz="2800" dirty="0">
-                <a:solidFill>
-                  <a:schemeClr val="bg1"/>
-                </a:solidFill>
-                <a:latin typeface="Cafe24 Ssurround" pitchFamily="2" charset="-127"/>
-                <a:ea typeface="Cafe24 Ssurround" pitchFamily="2" charset="-127"/>
-                <a:cs typeface="Cafe24 Ssurround" pitchFamily="2" charset="-127"/>
-              </a:rPr>
-              <a:t> (class)</a:t>
-            </a:r>
-            <a:endParaRPr kumimoji="1" lang="ko-KR" altLang="en-US" sz="2800" dirty="0">
-              <a:solidFill>
-                <a:schemeClr val="bg1"/>
-              </a:solidFill>
-              <a:latin typeface="Cafe24 Ssurround" pitchFamily="2" charset="-127"/>
-              <a:ea typeface="Cafe24 Ssurround" pitchFamily="2" charset="-127"/>
-              <a:cs typeface="Cafe24 Ssurround" pitchFamily="2" charset="-127"/>
-            </a:endParaRPr>
-          </a:p>
-        </p:txBody>
-      </p:sp>
-    </p:spTree>
-    <p:extLst>
-      <p:ext uri="{BB962C8B-B14F-4D97-AF65-F5344CB8AC3E}">
-        <p14:creationId xmlns:p14="http://schemas.microsoft.com/office/powerpoint/2010/main" val="1126954066"/>
-      </p:ext>
-    </p:extLst>
-  </p:cSld>
-  <p:clrMapOvr>
-    <a:masterClrMapping/>
-  </p:clrMapOvr>
-</p:sld>
-</file>
-
 <file path=ppt/slides/slide2.xml><?xml version="1.0" encoding="utf-8"?>
 <p:sld xmlns:a="http://schemas.openxmlformats.org/drawingml/2006/main" xmlns:r="http://schemas.openxmlformats.org/officeDocument/2006/relationships" xmlns:p="http://schemas.openxmlformats.org/presentationml/2006/main">
   <p:cSld>
@@ -8115,7 +7955,7 @@
                 <a:ea typeface="CAFE24 SSURROUND AIR" pitchFamily="2" charset="-127"/>
                 <a:cs typeface="CAFE24 SSURROUND AIR" pitchFamily="2" charset="-127"/>
               </a:rPr>
-              <a:t>코드가 어려워질 수 있습니다</a:t>
+              <a:t>코드가 복잡해질 수 있습니다</a:t>
             </a:r>
             <a:r>
               <a:rPr kumimoji="1" lang="en-US" altLang="ko-KR" dirty="0">
@@ -8198,7 +8038,7 @@
                 <a:ea typeface="CAFE24 SSURROUND AIR" pitchFamily="2" charset="-127"/>
                 <a:cs typeface="CAFE24 SSURROUND AIR" pitchFamily="2" charset="-127"/>
               </a:rPr>
-              <a:t> 혹은 선택한 디자인 패턴에 따라 코드가 복잡해질 수 있습니다</a:t>
+              <a:t> 혹은 선택한 디자인 패턴에 따라 코드가 어려워질 수 있습니다</a:t>
             </a:r>
             <a:r>
               <a:rPr kumimoji="1" lang="en-US" altLang="ko-KR" dirty="0">

--- a/RxFlow 세미나 - 이명직.pptx
+++ b/RxFlow 세미나 - 이명직.pptx
@@ -23,6 +23,7 @@
     <p:sldId id="267" r:id="rId17"/>
     <p:sldId id="268" r:id="rId18"/>
     <p:sldId id="269" r:id="rId19"/>
+    <p:sldId id="270" r:id="rId20"/>
   </p:sldIdLst>
   <p:sldSz cx="12192000" cy="6858000"/>
   <p:notesSz cx="6858000" cy="9144000"/>
@@ -276,7 +277,7 @@
           <a:p>
             <a:fld id="{1081F63C-C3D7-1443-9094-3187CD4315A5}" type="datetimeFigureOut">
               <a:rPr kumimoji="1" lang="ko-KR" altLang="en-US" smtClean="0"/>
-              <a:t>2022. 7. 28.</a:t>
+              <a:t>2022. 7. 27.</a:t>
             </a:fld>
             <a:endParaRPr kumimoji="1" lang="ko-KR" altLang="en-US"/>
           </a:p>
@@ -474,7 +475,7 @@
           <a:p>
             <a:fld id="{1081F63C-C3D7-1443-9094-3187CD4315A5}" type="datetimeFigureOut">
               <a:rPr kumimoji="1" lang="ko-KR" altLang="en-US" smtClean="0"/>
-              <a:t>2022. 7. 28.</a:t>
+              <a:t>2022. 7. 27.</a:t>
             </a:fld>
             <a:endParaRPr kumimoji="1" lang="ko-KR" altLang="en-US"/>
           </a:p>
@@ -682,7 +683,7 @@
           <a:p>
             <a:fld id="{1081F63C-C3D7-1443-9094-3187CD4315A5}" type="datetimeFigureOut">
               <a:rPr kumimoji="1" lang="ko-KR" altLang="en-US" smtClean="0"/>
-              <a:t>2022. 7. 28.</a:t>
+              <a:t>2022. 7. 27.</a:t>
             </a:fld>
             <a:endParaRPr kumimoji="1" lang="ko-KR" altLang="en-US"/>
           </a:p>
@@ -880,7 +881,7 @@
           <a:p>
             <a:fld id="{1081F63C-C3D7-1443-9094-3187CD4315A5}" type="datetimeFigureOut">
               <a:rPr kumimoji="1" lang="ko-KR" altLang="en-US" smtClean="0"/>
-              <a:t>2022. 7. 28.</a:t>
+              <a:t>2022. 7. 27.</a:t>
             </a:fld>
             <a:endParaRPr kumimoji="1" lang="ko-KR" altLang="en-US"/>
           </a:p>
@@ -1155,7 +1156,7 @@
           <a:p>
             <a:fld id="{1081F63C-C3D7-1443-9094-3187CD4315A5}" type="datetimeFigureOut">
               <a:rPr kumimoji="1" lang="ko-KR" altLang="en-US" smtClean="0"/>
-              <a:t>2022. 7. 28.</a:t>
+              <a:t>2022. 7. 27.</a:t>
             </a:fld>
             <a:endParaRPr kumimoji="1" lang="ko-KR" altLang="en-US"/>
           </a:p>
@@ -1420,7 +1421,7 @@
           <a:p>
             <a:fld id="{1081F63C-C3D7-1443-9094-3187CD4315A5}" type="datetimeFigureOut">
               <a:rPr kumimoji="1" lang="ko-KR" altLang="en-US" smtClean="0"/>
-              <a:t>2022. 7. 28.</a:t>
+              <a:t>2022. 7. 27.</a:t>
             </a:fld>
             <a:endParaRPr kumimoji="1" lang="ko-KR" altLang="en-US"/>
           </a:p>
@@ -1832,7 +1833,7 @@
           <a:p>
             <a:fld id="{1081F63C-C3D7-1443-9094-3187CD4315A5}" type="datetimeFigureOut">
               <a:rPr kumimoji="1" lang="ko-KR" altLang="en-US" smtClean="0"/>
-              <a:t>2022. 7. 28.</a:t>
+              <a:t>2022. 7. 27.</a:t>
             </a:fld>
             <a:endParaRPr kumimoji="1" lang="ko-KR" altLang="en-US"/>
           </a:p>
@@ -1973,7 +1974,7 @@
           <a:p>
             <a:fld id="{1081F63C-C3D7-1443-9094-3187CD4315A5}" type="datetimeFigureOut">
               <a:rPr kumimoji="1" lang="ko-KR" altLang="en-US" smtClean="0"/>
-              <a:t>2022. 7. 28.</a:t>
+              <a:t>2022. 7. 27.</a:t>
             </a:fld>
             <a:endParaRPr kumimoji="1" lang="ko-KR" altLang="en-US"/>
           </a:p>
@@ -2086,7 +2087,7 @@
           <a:p>
             <a:fld id="{1081F63C-C3D7-1443-9094-3187CD4315A5}" type="datetimeFigureOut">
               <a:rPr kumimoji="1" lang="ko-KR" altLang="en-US" smtClean="0"/>
-              <a:t>2022. 7. 28.</a:t>
+              <a:t>2022. 7. 27.</a:t>
             </a:fld>
             <a:endParaRPr kumimoji="1" lang="ko-KR" altLang="en-US"/>
           </a:p>
@@ -2397,7 +2398,7 @@
           <a:p>
             <a:fld id="{1081F63C-C3D7-1443-9094-3187CD4315A5}" type="datetimeFigureOut">
               <a:rPr kumimoji="1" lang="ko-KR" altLang="en-US" smtClean="0"/>
-              <a:t>2022. 7. 28.</a:t>
+              <a:t>2022. 7. 27.</a:t>
             </a:fld>
             <a:endParaRPr kumimoji="1" lang="ko-KR" altLang="en-US"/>
           </a:p>
@@ -2685,7 +2686,7 @@
           <a:p>
             <a:fld id="{1081F63C-C3D7-1443-9094-3187CD4315A5}" type="datetimeFigureOut">
               <a:rPr kumimoji="1" lang="ko-KR" altLang="en-US" smtClean="0"/>
-              <a:t>2022. 7. 28.</a:t>
+              <a:t>2022. 7. 27.</a:t>
             </a:fld>
             <a:endParaRPr kumimoji="1" lang="ko-KR" altLang="en-US"/>
           </a:p>
@@ -2926,7 +2927,7 @@
           <a:p>
             <a:fld id="{1081F63C-C3D7-1443-9094-3187CD4315A5}" type="datetimeFigureOut">
               <a:rPr kumimoji="1" lang="ko-KR" altLang="en-US" smtClean="0"/>
-              <a:t>2022. 7. 28.</a:t>
+              <a:t>2022. 7. 27.</a:t>
             </a:fld>
             <a:endParaRPr kumimoji="1" lang="ko-KR" altLang="en-US"/>
           </a:p>
@@ -4922,7 +4923,7 @@
         </p:nvSpPr>
         <p:spPr>
           <a:xfrm>
-            <a:off x="5363737" y="1261486"/>
+            <a:off x="5044583" y="1160540"/>
             <a:ext cx="6621597" cy="369332"/>
           </a:xfrm>
           <a:prstGeom prst="rect">
@@ -5038,7 +5039,7 @@
         </p:nvSpPr>
         <p:spPr>
           <a:xfrm>
-            <a:off x="5363737" y="1692946"/>
+            <a:off x="5044583" y="1592000"/>
             <a:ext cx="6621597" cy="369332"/>
           </a:xfrm>
           <a:prstGeom prst="rect">
@@ -5143,7 +5144,7 @@
         </p:nvSpPr>
         <p:spPr>
           <a:xfrm>
-            <a:off x="5363737" y="2124406"/>
+            <a:off x="5044583" y="2023460"/>
             <a:ext cx="6621597" cy="369332"/>
           </a:xfrm>
           <a:prstGeom prst="rect">
@@ -5214,10 +5215,10 @@
       </p:sp>
       <p:pic>
         <p:nvPicPr>
-          <p:cNvPr id="7" name="그림 6">
-            <a:extLst>
-              <a:ext uri="{FF2B5EF4-FFF2-40B4-BE49-F238E27FC236}">
-                <a16:creationId xmlns:a16="http://schemas.microsoft.com/office/drawing/2014/main" id="{90F4BA2F-E9F8-2D43-9B19-EC5453F10814}"/>
+          <p:cNvPr id="5" name="그림 4">
+            <a:extLst>
+              <a:ext uri="{FF2B5EF4-FFF2-40B4-BE49-F238E27FC236}">
+                <a16:creationId xmlns:a16="http://schemas.microsoft.com/office/drawing/2014/main" id="{5E1A7493-FB63-134F-9562-3BC1BD024FCD}"/>
               </a:ext>
             </a:extLst>
           </p:cNvPr>
@@ -5234,8 +5235,8 @@
         </p:blipFill>
         <p:spPr>
           <a:xfrm>
-            <a:off x="626696" y="948146"/>
-            <a:ext cx="4688073" cy="5180769"/>
+            <a:off x="651518" y="1098549"/>
+            <a:ext cx="4330700" cy="5030361"/>
           </a:xfrm>
           <a:prstGeom prst="rect">
             <a:avLst/>
@@ -6930,6 +6931,165 @@
 </p:sld>
 </file>
 
+<file path=ppt/slides/slide19.xml><?xml version="1.0" encoding="utf-8"?>
+<p:sld xmlns:a="http://schemas.openxmlformats.org/drawingml/2006/main" xmlns:r="http://schemas.openxmlformats.org/officeDocument/2006/relationships" xmlns:p="http://schemas.openxmlformats.org/presentationml/2006/main">
+  <p:cSld>
+    <p:bg>
+      <p:bgPr>
+        <a:solidFill>
+          <a:schemeClr val="tx1"/>
+        </a:solidFill>
+        <a:effectLst/>
+      </p:bgPr>
+    </p:bg>
+    <p:spTree>
+      <p:nvGrpSpPr>
+        <p:cNvPr id="1" name=""/>
+        <p:cNvGrpSpPr/>
+        <p:nvPr/>
+      </p:nvGrpSpPr>
+      <p:grpSpPr>
+        <a:xfrm>
+          <a:off x="0" y="0"/>
+          <a:ext cx="0" cy="0"/>
+          <a:chOff x="0" y="0"/>
+          <a:chExt cx="0" cy="0"/>
+        </a:xfrm>
+      </p:grpSpPr>
+      <p:cxnSp>
+        <p:nvCxnSpPr>
+          <p:cNvPr id="3" name="직선 연결선[R] 2">
+            <a:extLst>
+              <a:ext uri="{FF2B5EF4-FFF2-40B4-BE49-F238E27FC236}">
+                <a16:creationId xmlns:a16="http://schemas.microsoft.com/office/drawing/2014/main" id="{DA2AF4CF-3C30-9543-BD56-62623028761D}"/>
+              </a:ext>
+            </a:extLst>
+          </p:cNvPr>
+          <p:cNvCxnSpPr>
+            <a:cxnSpLocks/>
+          </p:cNvCxnSpPr>
+          <p:nvPr/>
+        </p:nvCxnSpPr>
+        <p:spPr>
+          <a:xfrm>
+            <a:off x="535259" y="729079"/>
+            <a:ext cx="10582507" cy="1"/>
+          </a:xfrm>
+          <a:prstGeom prst="line">
+            <a:avLst/>
+          </a:prstGeom>
+        </p:spPr>
+        <p:style>
+          <a:lnRef idx="3">
+            <a:schemeClr val="accent3"/>
+          </a:lnRef>
+          <a:fillRef idx="0">
+            <a:schemeClr val="accent3"/>
+          </a:fillRef>
+          <a:effectRef idx="2">
+            <a:schemeClr val="accent3"/>
+          </a:effectRef>
+          <a:fontRef idx="minor">
+            <a:schemeClr val="tx1"/>
+          </a:fontRef>
+        </p:style>
+      </p:cxnSp>
+      <p:sp>
+        <p:nvSpPr>
+          <p:cNvPr id="13" name="TextBox 12">
+            <a:extLst>
+              <a:ext uri="{FF2B5EF4-FFF2-40B4-BE49-F238E27FC236}">
+                <a16:creationId xmlns:a16="http://schemas.microsoft.com/office/drawing/2014/main" id="{CC2C9309-112F-F743-A4DA-B7FCB0FA4A8C}"/>
+              </a:ext>
+            </a:extLst>
+          </p:cNvPr>
+          <p:cNvSpPr txBox="1"/>
+          <p:nvPr/>
+        </p:nvSpPr>
+        <p:spPr>
+          <a:xfrm>
+            <a:off x="626696" y="205859"/>
+            <a:ext cx="7445587" cy="523220"/>
+          </a:xfrm>
+          <a:prstGeom prst="rect">
+            <a:avLst/>
+          </a:prstGeom>
+          <a:noFill/>
+        </p:spPr>
+        <p:txBody>
+          <a:bodyPr wrap="square" rtlCol="0">
+            <a:spAutoFit/>
+          </a:bodyPr>
+          <a:lstStyle/>
+          <a:p>
+            <a:r>
+              <a:rPr kumimoji="1" lang="en-US" altLang="ko-KR" sz="2800" dirty="0" err="1">
+                <a:solidFill>
+                  <a:schemeClr val="bg1"/>
+                </a:solidFill>
+                <a:latin typeface="Cafe24 Ssurround" pitchFamily="2" charset="-127"/>
+                <a:ea typeface="Cafe24 Ssurround" pitchFamily="2" charset="-127"/>
+                <a:cs typeface="Cafe24 Ssurround" pitchFamily="2" charset="-127"/>
+              </a:rPr>
+              <a:t>Exsample</a:t>
+            </a:r>
+            <a:r>
+              <a:rPr kumimoji="1" lang="en-US" altLang="ko-KR" sz="2800" dirty="0">
+                <a:solidFill>
+                  <a:schemeClr val="bg1"/>
+                </a:solidFill>
+                <a:latin typeface="Cafe24 Ssurround" pitchFamily="2" charset="-127"/>
+                <a:ea typeface="Cafe24 Ssurround" pitchFamily="2" charset="-127"/>
+                <a:cs typeface="Cafe24 Ssurround" pitchFamily="2" charset="-127"/>
+              </a:rPr>
+              <a:t> - Flow </a:t>
+            </a:r>
+            <a:r>
+              <a:rPr kumimoji="1" lang="en-US" altLang="ko-KR" sz="2800" dirty="0" err="1">
+                <a:solidFill>
+                  <a:schemeClr val="bg1"/>
+                </a:solidFill>
+                <a:latin typeface="Cafe24 Ssurround" pitchFamily="2" charset="-127"/>
+                <a:ea typeface="Cafe24 Ssurround" pitchFamily="2" charset="-127"/>
+                <a:cs typeface="Cafe24 Ssurround" pitchFamily="2" charset="-127"/>
+              </a:rPr>
+              <a:t>Contributos</a:t>
+            </a:r>
+            <a:r>
+              <a:rPr kumimoji="1" lang="en-US" altLang="ko-KR" sz="2800" dirty="0">
+                <a:solidFill>
+                  <a:schemeClr val="bg1"/>
+                </a:solidFill>
+                <a:latin typeface="Cafe24 Ssurround" pitchFamily="2" charset="-127"/>
+                <a:ea typeface="Cafe24 Ssurround" pitchFamily="2" charset="-127"/>
+                <a:cs typeface="Cafe24 Ssurround" pitchFamily="2" charset="-127"/>
+              </a:rPr>
+              <a:t> (class)</a:t>
+            </a:r>
+            <a:endParaRPr kumimoji="1" lang="ko-KR" altLang="en-US" sz="2800" dirty="0">
+              <a:solidFill>
+                <a:schemeClr val="bg1"/>
+              </a:solidFill>
+              <a:latin typeface="Cafe24 Ssurround" pitchFamily="2" charset="-127"/>
+              <a:ea typeface="Cafe24 Ssurround" pitchFamily="2" charset="-127"/>
+              <a:cs typeface="Cafe24 Ssurround" pitchFamily="2" charset="-127"/>
+            </a:endParaRPr>
+          </a:p>
+        </p:txBody>
+      </p:sp>
+    </p:spTree>
+    <p:extLst>
+      <p:ext uri="{BB962C8B-B14F-4D97-AF65-F5344CB8AC3E}">
+        <p14:creationId xmlns:p14="http://schemas.microsoft.com/office/powerpoint/2010/main" val="1126954066"/>
+      </p:ext>
+    </p:extLst>
+  </p:cSld>
+  <p:clrMapOvr>
+    <a:masterClrMapping/>
+  </p:clrMapOvr>
+</p:sld>
+</file>
+
 <file path=ppt/slides/slide2.xml><?xml version="1.0" encoding="utf-8"?>
 <p:sld xmlns:a="http://schemas.openxmlformats.org/drawingml/2006/main" xmlns:r="http://schemas.openxmlformats.org/officeDocument/2006/relationships" xmlns:p="http://schemas.openxmlformats.org/presentationml/2006/main">
   <p:cSld>
@@ -7955,7 +8115,7 @@
                 <a:ea typeface="CAFE24 SSURROUND AIR" pitchFamily="2" charset="-127"/>
                 <a:cs typeface="CAFE24 SSURROUND AIR" pitchFamily="2" charset="-127"/>
               </a:rPr>
-              <a:t>코드가 복잡해질 수 있습니다</a:t>
+              <a:t>코드가 어려워질 수 있습니다</a:t>
             </a:r>
             <a:r>
               <a:rPr kumimoji="1" lang="en-US" altLang="ko-KR" dirty="0">
@@ -8038,7 +8198,7 @@
                 <a:ea typeface="CAFE24 SSURROUND AIR" pitchFamily="2" charset="-127"/>
                 <a:cs typeface="CAFE24 SSURROUND AIR" pitchFamily="2" charset="-127"/>
               </a:rPr>
-              <a:t> 혹은 선택한 디자인 패턴에 따라 코드가 어려워질 수 있습니다</a:t>
+              <a:t> 혹은 선택한 디자인 패턴에 따라 코드가 복잡해질 수 있습니다</a:t>
             </a:r>
             <a:r>
               <a:rPr kumimoji="1" lang="en-US" altLang="ko-KR" dirty="0">
